--- a/PracticeTasks/Module2/Hackathon/LLMMS_Preliminary.pptx
+++ b/PracticeTasks/Module2/Hackathon/LLMMS_Preliminary.pptx
@@ -5,7 +5,7 @@
     <p:sldMasterId id="2147483648" r:id="rId1"/>
   </p:sldMasterIdLst>
   <p:notesMasterIdLst>
-    <p:notesMasterId r:id="rId13"/>
+    <p:notesMasterId r:id="rId14"/>
   </p:notesMasterIdLst>
   <p:sldIdLst>
     <p:sldId id="256" r:id="rId2"/>
@@ -19,6 +19,7 @@
     <p:sldId id="259" r:id="rId10"/>
     <p:sldId id="271" r:id="rId11"/>
     <p:sldId id="272" r:id="rId12"/>
+    <p:sldId id="273" r:id="rId13"/>
   </p:sldIdLst>
   <p:sldSz cx="12192000" cy="6858000"/>
   <p:notesSz cx="6858000" cy="9144000"/>
@@ -117,6 +118,11 @@
       </a:defRPr>
     </a:lvl9pPr>
   </p:defaultTextStyle>
+  <p:extLst>
+    <p:ext uri="{EFAFB233-063F-42B5-8137-9DF3F51BA10A}">
+      <p15:sldGuideLst xmlns:p15="http://schemas.microsoft.com/office/powerpoint/2012/main"/>
+    </p:ext>
+  </p:extLst>
 </p:presentation>
 </file>
 
@@ -202,7 +208,7 @@
           <a:p>
             <a:fld id="{34EB40D0-D9C6-4D32-A3A4-1C2B85670D17}" type="datetimeFigureOut">
               <a:rPr lang="ru-RU" smtClean="0"/>
-              <a:t>26.11.2024</a:t>
+              <a:t>27.11.2024</a:t>
             </a:fld>
             <a:endParaRPr lang="ru-RU"/>
           </a:p>
@@ -728,7 +734,7 @@
           <a:p>
             <a:fld id="{0DE6611C-829E-4AA9-A1A1-C478B9EECA5A}" type="datetimeFigureOut">
               <a:rPr lang="ru-RU" smtClean="0"/>
-              <a:t>26.11.2024</a:t>
+              <a:t>27.11.2024</a:t>
             </a:fld>
             <a:endParaRPr lang="ru-RU"/>
           </a:p>
@@ -928,7 +934,7 @@
           <a:p>
             <a:fld id="{0DE6611C-829E-4AA9-A1A1-C478B9EECA5A}" type="datetimeFigureOut">
               <a:rPr lang="ru-RU" smtClean="0"/>
-              <a:t>26.11.2024</a:t>
+              <a:t>27.11.2024</a:t>
             </a:fld>
             <a:endParaRPr lang="ru-RU"/>
           </a:p>
@@ -1138,7 +1144,7 @@
           <a:p>
             <a:fld id="{0DE6611C-829E-4AA9-A1A1-C478B9EECA5A}" type="datetimeFigureOut">
               <a:rPr lang="ru-RU" smtClean="0"/>
-              <a:t>26.11.2024</a:t>
+              <a:t>27.11.2024</a:t>
             </a:fld>
             <a:endParaRPr lang="ru-RU"/>
           </a:p>
@@ -1697,7 +1703,7 @@
           <a:p>
             <a:fld id="{0DE6611C-829E-4AA9-A1A1-C478B9EECA5A}" type="datetimeFigureOut">
               <a:rPr lang="ru-RU" smtClean="0"/>
-              <a:t>26.11.2024</a:t>
+              <a:t>27.11.2024</a:t>
             </a:fld>
             <a:endParaRPr lang="ru-RU"/>
           </a:p>
@@ -1973,7 +1979,7 @@
           <a:p>
             <a:fld id="{0DE6611C-829E-4AA9-A1A1-C478B9EECA5A}" type="datetimeFigureOut">
               <a:rPr lang="ru-RU" smtClean="0"/>
-              <a:t>26.11.2024</a:t>
+              <a:t>27.11.2024</a:t>
             </a:fld>
             <a:endParaRPr lang="ru-RU"/>
           </a:p>
@@ -2241,7 +2247,7 @@
           <a:p>
             <a:fld id="{0DE6611C-829E-4AA9-A1A1-C478B9EECA5A}" type="datetimeFigureOut">
               <a:rPr lang="ru-RU" smtClean="0"/>
-              <a:t>26.11.2024</a:t>
+              <a:t>27.11.2024</a:t>
             </a:fld>
             <a:endParaRPr lang="ru-RU"/>
           </a:p>
@@ -2656,7 +2662,7 @@
           <a:p>
             <a:fld id="{0DE6611C-829E-4AA9-A1A1-C478B9EECA5A}" type="datetimeFigureOut">
               <a:rPr lang="ru-RU" smtClean="0"/>
-              <a:t>26.11.2024</a:t>
+              <a:t>27.11.2024</a:t>
             </a:fld>
             <a:endParaRPr lang="ru-RU"/>
           </a:p>
@@ -2798,7 +2804,7 @@
           <a:p>
             <a:fld id="{0DE6611C-829E-4AA9-A1A1-C478B9EECA5A}" type="datetimeFigureOut">
               <a:rPr lang="ru-RU" smtClean="0"/>
-              <a:t>26.11.2024</a:t>
+              <a:t>27.11.2024</a:t>
             </a:fld>
             <a:endParaRPr lang="ru-RU"/>
           </a:p>
@@ -2911,7 +2917,7 @@
           <a:p>
             <a:fld id="{0DE6611C-829E-4AA9-A1A1-C478B9EECA5A}" type="datetimeFigureOut">
               <a:rPr lang="ru-RU" smtClean="0"/>
-              <a:t>26.11.2024</a:t>
+              <a:t>27.11.2024</a:t>
             </a:fld>
             <a:endParaRPr lang="ru-RU"/>
           </a:p>
@@ -3224,7 +3230,7 @@
           <a:p>
             <a:fld id="{0DE6611C-829E-4AA9-A1A1-C478B9EECA5A}" type="datetimeFigureOut">
               <a:rPr lang="ru-RU" smtClean="0"/>
-              <a:t>26.11.2024</a:t>
+              <a:t>27.11.2024</a:t>
             </a:fld>
             <a:endParaRPr lang="ru-RU"/>
           </a:p>
@@ -3513,7 +3519,7 @@
           <a:p>
             <a:fld id="{0DE6611C-829E-4AA9-A1A1-C478B9EECA5A}" type="datetimeFigureOut">
               <a:rPr lang="ru-RU" smtClean="0"/>
-              <a:t>26.11.2024</a:t>
+              <a:t>27.11.2024</a:t>
             </a:fld>
             <a:endParaRPr lang="ru-RU"/>
           </a:p>
@@ -3756,7 +3762,7 @@
           <a:p>
             <a:fld id="{0DE6611C-829E-4AA9-A1A1-C478B9EECA5A}" type="datetimeFigureOut">
               <a:rPr lang="ru-RU" smtClean="0"/>
-              <a:t>26.11.2024</a:t>
+              <a:t>27.11.2024</a:t>
             </a:fld>
             <a:endParaRPr lang="ru-RU"/>
           </a:p>
@@ -4205,7 +4211,7 @@
                   </a:outerShdw>
                 </a:effectLst>
               </a:rPr>
-              <a:t>K8S</a:t>
+              <a:t>K8C</a:t>
             </a:r>
             <a:endParaRPr lang="ru-RU" b="1" dirty="0">
               <a:effectLst>
@@ -4510,6 +4516,122 @@
     <p:extLst>
       <p:ext uri="{BB962C8B-B14F-4D97-AF65-F5344CB8AC3E}">
         <p14:creationId xmlns:p14="http://schemas.microsoft.com/office/powerpoint/2010/main" val="3015436678"/>
+      </p:ext>
+    </p:extLst>
+  </p:cSld>
+  <p:clrMapOvr>
+    <a:masterClrMapping/>
+  </p:clrMapOvr>
+</p:sld>
+</file>
+
+<file path=ppt/slides/slide12.xml><?xml version="1.0" encoding="utf-8"?>
+<p:sld xmlns:a="http://schemas.openxmlformats.org/drawingml/2006/main" xmlns:r="http://schemas.openxmlformats.org/officeDocument/2006/relationships" xmlns:p="http://schemas.openxmlformats.org/presentationml/2006/main">
+  <p:cSld>
+    <p:spTree>
+      <p:nvGrpSpPr>
+        <p:cNvPr id="1" name=""/>
+        <p:cNvGrpSpPr/>
+        <p:nvPr/>
+      </p:nvGrpSpPr>
+      <p:grpSpPr>
+        <a:xfrm>
+          <a:off x="0" y="0"/>
+          <a:ext cx="0" cy="0"/>
+          <a:chOff x="0" y="0"/>
+          <a:chExt cx="0" cy="0"/>
+        </a:xfrm>
+      </p:grpSpPr>
+      <p:sp>
+        <p:nvSpPr>
+          <p:cNvPr id="2" name="Заголовок 1">
+            <a:extLst>
+              <a:ext uri="{FF2B5EF4-FFF2-40B4-BE49-F238E27FC236}">
+                <a16:creationId xmlns:a16="http://schemas.microsoft.com/office/drawing/2014/main" id="{8FC96A01-B26D-47F3-AB9C-3708DF42F590}"/>
+              </a:ext>
+            </a:extLst>
+          </p:cNvPr>
+          <p:cNvSpPr>
+            <a:spLocks noGrp="1"/>
+          </p:cNvSpPr>
+          <p:nvPr>
+            <p:ph type="title"/>
+          </p:nvPr>
+        </p:nvSpPr>
+        <p:spPr/>
+        <p:txBody>
+          <a:bodyPr/>
+          <a:lstStyle/>
+          <a:p>
+            <a:r>
+              <a:rPr lang="en-US" b="1" dirty="0">
+                <a:effectLst>
+                  <a:outerShdw blurRad="38100" dist="38100" dir="2700000" algn="tl">
+                    <a:srgbClr val="000000">
+                      <a:alpha val="43137"/>
+                    </a:srgbClr>
+                  </a:outerShdw>
+                </a:effectLst>
+              </a:rPr>
+              <a:t>Conclusion</a:t>
+            </a:r>
+            <a:endParaRPr lang="ru-RU" b="1" dirty="0">
+              <a:effectLst>
+                <a:outerShdw blurRad="38100" dist="38100" dir="2700000" algn="tl">
+                  <a:srgbClr val="000000">
+                    <a:alpha val="43137"/>
+                  </a:srgbClr>
+                </a:outerShdw>
+              </a:effectLst>
+            </a:endParaRPr>
+          </a:p>
+        </p:txBody>
+      </p:sp>
+      <p:sp>
+        <p:nvSpPr>
+          <p:cNvPr id="3" name="Объект 2">
+            <a:extLst>
+              <a:ext uri="{FF2B5EF4-FFF2-40B4-BE49-F238E27FC236}">
+                <a16:creationId xmlns:a16="http://schemas.microsoft.com/office/drawing/2014/main" id="{F33D3A68-B02B-489E-8087-78942CE4D1DB}"/>
+              </a:ext>
+            </a:extLst>
+          </p:cNvPr>
+          <p:cNvSpPr>
+            <a:spLocks noGrp="1"/>
+          </p:cNvSpPr>
+          <p:nvPr>
+            <p:ph idx="1"/>
+          </p:nvPr>
+        </p:nvSpPr>
+        <p:spPr/>
+        <p:txBody>
+          <a:bodyPr/>
+          <a:lstStyle/>
+          <a:p>
+            <a:pPr marL="0" indent="0">
+              <a:buNone/>
+            </a:pPr>
+            <a:r>
+              <a:rPr lang="en-US" dirty="0"/>
+              <a:t>All proposed solutions are not very good. The main point – they don`t fit well to the team background (skills). </a:t>
+            </a:r>
+          </a:p>
+          <a:p>
+            <a:pPr marL="0" indent="0">
+              <a:buNone/>
+            </a:pPr>
+            <a:r>
+              <a:rPr lang="en-US" dirty="0"/>
+              <a:t>Prompts must be reworked and be more specific</a:t>
+            </a:r>
+            <a:endParaRPr lang="ru-RU" dirty="0"/>
+          </a:p>
+        </p:txBody>
+      </p:sp>
+    </p:spTree>
+    <p:extLst>
+      <p:ext uri="{BB962C8B-B14F-4D97-AF65-F5344CB8AC3E}">
+        <p14:creationId xmlns:p14="http://schemas.microsoft.com/office/powerpoint/2010/main" val="2819157255"/>
       </p:ext>
     </p:extLst>
   </p:cSld>
